--- a/presentation.pptx
+++ b/presentation.pptx
@@ -9,6 +9,7 @@
     <p:sldId id="258" r:id="rId3"/>
     <p:sldId id="257" r:id="rId4"/>
     <p:sldId id="259" r:id="rId5"/>
+    <p:sldId id="260" r:id="rId6"/>
   </p:sldIdLst>
   <p:sldSz cx="9144000" cy="6858000" type="screen4x3"/>
   <p:notesSz cx="6858000" cy="9144000"/>
@@ -4984,6 +4985,213 @@
     <p:extLst>
       <p:ext uri="{BB962C8B-B14F-4D97-AF65-F5344CB8AC3E}">
         <p14:creationId xmlns:p14="http://schemas.microsoft.com/office/powerpoint/2010/main" val="1892326266"/>
+      </p:ext>
+    </p:extLst>
+  </p:cSld>
+  <p:clrMapOvr>
+    <a:masterClrMapping/>
+  </p:clrMapOvr>
+</p:sld>
+</file>
+
+<file path=ppt/slides/slide5.xml><?xml version="1.0" encoding="utf-8"?>
+<p:sld xmlns:a="http://schemas.openxmlformats.org/drawingml/2006/main" xmlns:r="http://schemas.openxmlformats.org/officeDocument/2006/relationships" xmlns:p="http://schemas.openxmlformats.org/presentationml/2006/main">
+  <p:cSld>
+    <p:spTree>
+      <p:nvGrpSpPr>
+        <p:cNvPr id="1" name=""/>
+        <p:cNvGrpSpPr/>
+        <p:nvPr/>
+      </p:nvGrpSpPr>
+      <p:grpSpPr>
+        <a:xfrm>
+          <a:off x="0" y="0"/>
+          <a:ext cx="0" cy="0"/>
+          <a:chOff x="0" y="0"/>
+          <a:chExt cx="0" cy="0"/>
+        </a:xfrm>
+      </p:grpSpPr>
+      <p:sp>
+        <p:nvSpPr>
+          <p:cNvPr id="76" name="TextBox 75"/>
+          <p:cNvSpPr txBox="1"/>
+          <p:nvPr/>
+        </p:nvSpPr>
+        <p:spPr>
+          <a:xfrm>
+            <a:off x="2361600" y="525573"/>
+            <a:ext cx="4420801" cy="830997"/>
+          </a:xfrm>
+          <a:prstGeom prst="rect">
+            <a:avLst/>
+          </a:prstGeom>
+          <a:noFill/>
+        </p:spPr>
+        <p:txBody>
+          <a:bodyPr wrap="none" rtlCol="0">
+            <a:spAutoFit/>
+          </a:bodyPr>
+          <a:lstStyle/>
+          <a:p>
+            <a:r>
+              <a:rPr lang="en-US" sz="4800" dirty="0" smtClean="0">
+                <a:latin typeface="Segoe UI Light"/>
+                <a:cs typeface="Segoe UI Light"/>
+              </a:rPr>
+              <a:t>Lessons Learned</a:t>
+            </a:r>
+            <a:endParaRPr lang="en-US" dirty="0">
+              <a:latin typeface="Segoe UI Light"/>
+              <a:cs typeface="Segoe UI Light"/>
+            </a:endParaRPr>
+          </a:p>
+        </p:txBody>
+      </p:sp>
+      <p:sp>
+        <p:nvSpPr>
+          <p:cNvPr id="3" name="TextBox 2"/>
+          <p:cNvSpPr txBox="1"/>
+          <p:nvPr/>
+        </p:nvSpPr>
+        <p:spPr>
+          <a:xfrm>
+            <a:off x="1107400" y="1850540"/>
+            <a:ext cx="2929007" cy="3416320"/>
+          </a:xfrm>
+          <a:prstGeom prst="rect">
+            <a:avLst/>
+          </a:prstGeom>
+          <a:noFill/>
+        </p:spPr>
+        <p:txBody>
+          <a:bodyPr wrap="none" rtlCol="0">
+            <a:spAutoFit/>
+          </a:bodyPr>
+          <a:lstStyle/>
+          <a:p>
+            <a:pPr marL="342900" indent="-342900">
+              <a:buFont typeface="Arial"/>
+              <a:buChar char="•"/>
+            </a:pPr>
+            <a:r>
+              <a:rPr lang="en-US" sz="2400" dirty="0" smtClean="0">
+                <a:latin typeface="Segoe UI Light"/>
+                <a:cs typeface="Segoe UI Light"/>
+              </a:rPr>
+              <a:t>Accuracy</a:t>
+            </a:r>
+          </a:p>
+          <a:p>
+            <a:pPr marL="800100" lvl="1" indent="-342900">
+              <a:buFont typeface="Arial"/>
+              <a:buChar char="•"/>
+            </a:pPr>
+            <a:r>
+              <a:rPr lang="en-US" sz="2400" dirty="0" smtClean="0">
+                <a:latin typeface="Segoe UI Light"/>
+                <a:cs typeface="Segoe UI Light"/>
+              </a:rPr>
+              <a:t>Instructions</a:t>
+            </a:r>
+          </a:p>
+          <a:p>
+            <a:pPr marL="800100" lvl="1" indent="-342900">
+              <a:buFont typeface="Arial"/>
+              <a:buChar char="•"/>
+            </a:pPr>
+            <a:r>
+              <a:rPr lang="en-US" sz="2400" dirty="0" smtClean="0">
+                <a:latin typeface="Segoe UI Light"/>
+                <a:cs typeface="Segoe UI Light"/>
+              </a:rPr>
+              <a:t>Threshold</a:t>
+            </a:r>
+          </a:p>
+          <a:p>
+            <a:pPr marL="800100" lvl="1" indent="-342900">
+              <a:buFont typeface="Arial"/>
+              <a:buChar char="•"/>
+            </a:pPr>
+            <a:r>
+              <a:rPr lang="en-US" sz="2400" dirty="0" smtClean="0">
+                <a:latin typeface="Segoe UI Light"/>
+                <a:cs typeface="Segoe UI Light"/>
+              </a:rPr>
+              <a:t>Quantity</a:t>
+            </a:r>
+            <a:endParaRPr lang="en-US" sz="2400" dirty="0" smtClean="0">
+              <a:latin typeface="Segoe UI Light"/>
+              <a:cs typeface="Segoe UI Light"/>
+            </a:endParaRPr>
+          </a:p>
+          <a:p>
+            <a:pPr marL="342900" indent="-342900">
+              <a:buFont typeface="Arial"/>
+              <a:buChar char="•"/>
+            </a:pPr>
+            <a:r>
+              <a:rPr lang="en-US" sz="2400" dirty="0" smtClean="0">
+                <a:latin typeface="Segoe UI Light"/>
+                <a:cs typeface="Segoe UI Light"/>
+              </a:rPr>
+              <a:t>Cost</a:t>
+            </a:r>
+          </a:p>
+          <a:p>
+            <a:pPr marL="342900" indent="-342900">
+              <a:buFont typeface="Arial"/>
+              <a:buChar char="•"/>
+            </a:pPr>
+            <a:r>
+              <a:rPr lang="en-US" sz="2400" dirty="0" smtClean="0">
+                <a:latin typeface="Segoe UI Light"/>
+                <a:cs typeface="Segoe UI Light"/>
+              </a:rPr>
+              <a:t>Speed</a:t>
+            </a:r>
+          </a:p>
+          <a:p>
+            <a:endParaRPr lang="en-US" sz="2400" dirty="0">
+              <a:latin typeface="Segoe UI Light"/>
+              <a:cs typeface="Segoe UI Light"/>
+            </a:endParaRPr>
+          </a:p>
+          <a:p>
+            <a:pPr marL="342900" indent="-342900">
+              <a:buFont typeface="Arial"/>
+              <a:buChar char="•"/>
+            </a:pPr>
+            <a:r>
+              <a:rPr lang="en-US" sz="2400" dirty="0" smtClean="0">
+                <a:latin typeface="Segoe UI Light"/>
+                <a:cs typeface="Segoe UI Light"/>
+              </a:rPr>
+              <a:t>Duplicates</a:t>
+            </a:r>
+            <a:endParaRPr lang="en-US" sz="2400" dirty="0" smtClean="0">
+              <a:latin typeface="Segoe UI Light"/>
+              <a:cs typeface="Segoe UI Light"/>
+            </a:endParaRPr>
+          </a:p>
+          <a:p>
+            <a:pPr marL="342900" indent="-342900">
+              <a:buFont typeface="Arial"/>
+              <a:buChar char="•"/>
+            </a:pPr>
+            <a:r>
+              <a:rPr lang="en-US" sz="2400" dirty="0" smtClean="0">
+                <a:latin typeface="Segoe UI Light"/>
+                <a:cs typeface="Segoe UI Light"/>
+              </a:rPr>
+              <a:t>Secondary sources</a:t>
+            </a:r>
+          </a:p>
+        </p:txBody>
+      </p:sp>
+    </p:spTree>
+    <p:extLst>
+      <p:ext uri="{BB962C8B-B14F-4D97-AF65-F5344CB8AC3E}">
+        <p14:creationId xmlns:p14="http://schemas.microsoft.com/office/powerpoint/2010/main" val="1389158407"/>
       </p:ext>
     </p:extLst>
   </p:cSld>

--- a/presentation.pptx
+++ b/presentation.pptx
@@ -3367,6 +3367,13 @@
   <p:clrMapOvr>
     <a:masterClrMapping/>
   </p:clrMapOvr>
+  <p:timing>
+    <p:tnLst>
+      <p:par>
+        <p:cTn xmlns:p14="http://schemas.microsoft.com/office/powerpoint/2010/main" id="1" dur="indefinite" restart="never" nodeType="tmRoot"/>
+      </p:par>
+    </p:tnLst>
+  </p:timing>
 </p:sld>
 </file>
 
@@ -4925,6 +4932,1032 @@
   <p:clrMapOvr>
     <a:masterClrMapping/>
   </p:clrMapOvr>
+  <mc:AlternateContent xmlns:mc="http://schemas.openxmlformats.org/markup-compatibility/2006">
+    <mc:Choice xmlns:p14="http://schemas.microsoft.com/office/powerpoint/2010/main" Requires="p14">
+      <p:transition p14:dur="0"/>
+    </mc:Choice>
+    <mc:Fallback>
+      <p:transition xmlns:p14="http://schemas.microsoft.com/office/powerpoint/2010/main"/>
+    </mc:Fallback>
+  </mc:AlternateContent>
+  <p:timing>
+    <p:tnLst>
+      <p:par>
+        <p:cTn xmlns:p14="http://schemas.microsoft.com/office/powerpoint/2010/main" id="1" dur="indefinite" restart="never" nodeType="tmRoot">
+          <p:childTnLst>
+            <p:seq concurrent="1" nextAc="seek">
+              <p:cTn id="2" dur="indefinite" nodeType="mainSeq">
+                <p:childTnLst>
+                  <p:par>
+                    <p:cTn id="3" fill="hold">
+                      <p:stCondLst>
+                        <p:cond delay="indefinite"/>
+                      </p:stCondLst>
+                      <p:childTnLst>
+                        <p:par>
+                          <p:cTn id="4" fill="hold">
+                            <p:stCondLst>
+                              <p:cond delay="0"/>
+                            </p:stCondLst>
+                            <p:childTnLst>
+                              <p:par>
+                                <p:cTn id="5" presetID="1" presetClass="entr" presetSubtype="0" fill="hold" grpId="0" nodeType="clickEffect">
+                                  <p:stCondLst>
+                                    <p:cond delay="0"/>
+                                  </p:stCondLst>
+                                  <p:childTnLst>
+                                    <p:set>
+                                      <p:cBhvr>
+                                        <p:cTn id="6" dur="1" fill="hold">
+                                          <p:stCondLst>
+                                            <p:cond delay="0"/>
+                                          </p:stCondLst>
+                                        </p:cTn>
+                                        <p:tgtEl>
+                                          <p:spTgt spid="5"/>
+                                        </p:tgtEl>
+                                        <p:attrNameLst>
+                                          <p:attrName>style.visibility</p:attrName>
+                                        </p:attrNameLst>
+                                      </p:cBhvr>
+                                      <p:to>
+                                        <p:strVal val="visible"/>
+                                      </p:to>
+                                    </p:set>
+                                  </p:childTnLst>
+                                </p:cTn>
+                              </p:par>
+                              <p:par>
+                                <p:cTn id="7" presetID="1" presetClass="entr" presetSubtype="0" fill="hold" grpId="0" nodeType="withEffect">
+                                  <p:stCondLst>
+                                    <p:cond delay="0"/>
+                                  </p:stCondLst>
+                                  <p:childTnLst>
+                                    <p:set>
+                                      <p:cBhvr>
+                                        <p:cTn id="8" dur="1" fill="hold">
+                                          <p:stCondLst>
+                                            <p:cond delay="0"/>
+                                          </p:stCondLst>
+                                        </p:cTn>
+                                        <p:tgtEl>
+                                          <p:spTgt spid="7"/>
+                                        </p:tgtEl>
+                                        <p:attrNameLst>
+                                          <p:attrName>style.visibility</p:attrName>
+                                        </p:attrNameLst>
+                                      </p:cBhvr>
+                                      <p:to>
+                                        <p:strVal val="visible"/>
+                                      </p:to>
+                                    </p:set>
+                                  </p:childTnLst>
+                                </p:cTn>
+                              </p:par>
+                              <p:par>
+                                <p:cTn id="9" presetID="1" presetClass="entr" presetSubtype="0" fill="hold" grpId="0" nodeType="withEffect">
+                                  <p:stCondLst>
+                                    <p:cond delay="0"/>
+                                  </p:stCondLst>
+                                  <p:childTnLst>
+                                    <p:set>
+                                      <p:cBhvr>
+                                        <p:cTn id="10" dur="1" fill="hold">
+                                          <p:stCondLst>
+                                            <p:cond delay="0"/>
+                                          </p:stCondLst>
+                                        </p:cTn>
+                                        <p:tgtEl>
+                                          <p:spTgt spid="8"/>
+                                        </p:tgtEl>
+                                        <p:attrNameLst>
+                                          <p:attrName>style.visibility</p:attrName>
+                                        </p:attrNameLst>
+                                      </p:cBhvr>
+                                      <p:to>
+                                        <p:strVal val="visible"/>
+                                      </p:to>
+                                    </p:set>
+                                  </p:childTnLst>
+                                </p:cTn>
+                              </p:par>
+                              <p:par>
+                                <p:cTn id="11" presetID="1" presetClass="entr" presetSubtype="0" fill="hold" nodeType="withEffect">
+                                  <p:stCondLst>
+                                    <p:cond delay="0"/>
+                                  </p:stCondLst>
+                                  <p:childTnLst>
+                                    <p:set>
+                                      <p:cBhvr>
+                                        <p:cTn id="12" dur="1" fill="hold">
+                                          <p:stCondLst>
+                                            <p:cond delay="0"/>
+                                          </p:stCondLst>
+                                        </p:cTn>
+                                        <p:tgtEl>
+                                          <p:spTgt spid="19"/>
+                                        </p:tgtEl>
+                                        <p:attrNameLst>
+                                          <p:attrName>style.visibility</p:attrName>
+                                        </p:attrNameLst>
+                                      </p:cBhvr>
+                                      <p:to>
+                                        <p:strVal val="visible"/>
+                                      </p:to>
+                                    </p:set>
+                                  </p:childTnLst>
+                                </p:cTn>
+                              </p:par>
+                            </p:childTnLst>
+                          </p:cTn>
+                        </p:par>
+                      </p:childTnLst>
+                    </p:cTn>
+                  </p:par>
+                  <p:par>
+                    <p:cTn id="13" fill="hold">
+                      <p:stCondLst>
+                        <p:cond delay="indefinite"/>
+                      </p:stCondLst>
+                      <p:childTnLst>
+                        <p:par>
+                          <p:cTn id="14" fill="hold">
+                            <p:stCondLst>
+                              <p:cond delay="0"/>
+                            </p:stCondLst>
+                            <p:childTnLst>
+                              <p:par>
+                                <p:cTn id="15" presetID="1" presetClass="entr" presetSubtype="0" fill="hold" grpId="0" nodeType="clickEffect">
+                                  <p:stCondLst>
+                                    <p:cond delay="0"/>
+                                  </p:stCondLst>
+                                  <p:childTnLst>
+                                    <p:set>
+                                      <p:cBhvr>
+                                        <p:cTn id="16" dur="1" fill="hold">
+                                          <p:stCondLst>
+                                            <p:cond delay="0"/>
+                                          </p:stCondLst>
+                                        </p:cTn>
+                                        <p:tgtEl>
+                                          <p:spTgt spid="29"/>
+                                        </p:tgtEl>
+                                        <p:attrNameLst>
+                                          <p:attrName>style.visibility</p:attrName>
+                                        </p:attrNameLst>
+                                      </p:cBhvr>
+                                      <p:to>
+                                        <p:strVal val="visible"/>
+                                      </p:to>
+                                    </p:set>
+                                  </p:childTnLst>
+                                </p:cTn>
+                              </p:par>
+                              <p:par>
+                                <p:cTn id="17" presetID="1" presetClass="entr" presetSubtype="0" fill="hold" grpId="0" nodeType="withEffect">
+                                  <p:stCondLst>
+                                    <p:cond delay="0"/>
+                                  </p:stCondLst>
+                                  <p:childTnLst>
+                                    <p:set>
+                                      <p:cBhvr>
+                                        <p:cTn id="18" dur="1" fill="hold">
+                                          <p:stCondLst>
+                                            <p:cond delay="0"/>
+                                          </p:stCondLst>
+                                        </p:cTn>
+                                        <p:tgtEl>
+                                          <p:spTgt spid="30"/>
+                                        </p:tgtEl>
+                                        <p:attrNameLst>
+                                          <p:attrName>style.visibility</p:attrName>
+                                        </p:attrNameLst>
+                                      </p:cBhvr>
+                                      <p:to>
+                                        <p:strVal val="visible"/>
+                                      </p:to>
+                                    </p:set>
+                                  </p:childTnLst>
+                                </p:cTn>
+                              </p:par>
+                              <p:par>
+                                <p:cTn id="19" presetID="1" presetClass="entr" presetSubtype="0" fill="hold" grpId="0" nodeType="withEffect">
+                                  <p:stCondLst>
+                                    <p:cond delay="0"/>
+                                  </p:stCondLst>
+                                  <p:childTnLst>
+                                    <p:set>
+                                      <p:cBhvr>
+                                        <p:cTn id="20" dur="1" fill="hold">
+                                          <p:stCondLst>
+                                            <p:cond delay="0"/>
+                                          </p:stCondLst>
+                                        </p:cTn>
+                                        <p:tgtEl>
+                                          <p:spTgt spid="31"/>
+                                        </p:tgtEl>
+                                        <p:attrNameLst>
+                                          <p:attrName>style.visibility</p:attrName>
+                                        </p:attrNameLst>
+                                      </p:cBhvr>
+                                      <p:to>
+                                        <p:strVal val="visible"/>
+                                      </p:to>
+                                    </p:set>
+                                  </p:childTnLst>
+                                </p:cTn>
+                              </p:par>
+                              <p:par>
+                                <p:cTn id="21" presetID="1" presetClass="entr" presetSubtype="0" fill="hold" grpId="0" nodeType="withEffect">
+                                  <p:stCondLst>
+                                    <p:cond delay="0"/>
+                                  </p:stCondLst>
+                                  <p:childTnLst>
+                                    <p:set>
+                                      <p:cBhvr>
+                                        <p:cTn id="22" dur="1" fill="hold">
+                                          <p:stCondLst>
+                                            <p:cond delay="0"/>
+                                          </p:stCondLst>
+                                        </p:cTn>
+                                        <p:tgtEl>
+                                          <p:spTgt spid="32"/>
+                                        </p:tgtEl>
+                                        <p:attrNameLst>
+                                          <p:attrName>style.visibility</p:attrName>
+                                        </p:attrNameLst>
+                                      </p:cBhvr>
+                                      <p:to>
+                                        <p:strVal val="visible"/>
+                                      </p:to>
+                                    </p:set>
+                                  </p:childTnLst>
+                                </p:cTn>
+                              </p:par>
+                              <p:par>
+                                <p:cTn id="23" presetID="1" presetClass="entr" presetSubtype="0" fill="hold" nodeType="withEffect">
+                                  <p:stCondLst>
+                                    <p:cond delay="0"/>
+                                  </p:stCondLst>
+                                  <p:childTnLst>
+                                    <p:set>
+                                      <p:cBhvr>
+                                        <p:cTn id="24" dur="1" fill="hold">
+                                          <p:stCondLst>
+                                            <p:cond delay="0"/>
+                                          </p:stCondLst>
+                                        </p:cTn>
+                                        <p:tgtEl>
+                                          <p:spTgt spid="20"/>
+                                        </p:tgtEl>
+                                        <p:attrNameLst>
+                                          <p:attrName>style.visibility</p:attrName>
+                                        </p:attrNameLst>
+                                      </p:cBhvr>
+                                      <p:to>
+                                        <p:strVal val="visible"/>
+                                      </p:to>
+                                    </p:set>
+                                  </p:childTnLst>
+                                </p:cTn>
+                              </p:par>
+                              <p:par>
+                                <p:cTn id="25" presetID="1" presetClass="entr" presetSubtype="0" fill="hold" grpId="0" nodeType="withEffect">
+                                  <p:stCondLst>
+                                    <p:cond delay="0"/>
+                                  </p:stCondLst>
+                                  <p:childTnLst>
+                                    <p:set>
+                                      <p:cBhvr>
+                                        <p:cTn id="26" dur="1" fill="hold">
+                                          <p:stCondLst>
+                                            <p:cond delay="0"/>
+                                          </p:stCondLst>
+                                        </p:cTn>
+                                        <p:tgtEl>
+                                          <p:spTgt spid="34"/>
+                                        </p:tgtEl>
+                                        <p:attrNameLst>
+                                          <p:attrName>style.visibility</p:attrName>
+                                        </p:attrNameLst>
+                                      </p:cBhvr>
+                                      <p:to>
+                                        <p:strVal val="visible"/>
+                                      </p:to>
+                                    </p:set>
+                                  </p:childTnLst>
+                                </p:cTn>
+                              </p:par>
+                              <p:par>
+                                <p:cTn id="27" presetID="1" presetClass="entr" presetSubtype="0" fill="hold" grpId="0" nodeType="withEffect">
+                                  <p:stCondLst>
+                                    <p:cond delay="0"/>
+                                  </p:stCondLst>
+                                  <p:childTnLst>
+                                    <p:set>
+                                      <p:cBhvr>
+                                        <p:cTn id="28" dur="1" fill="hold">
+                                          <p:stCondLst>
+                                            <p:cond delay="0"/>
+                                          </p:stCondLst>
+                                        </p:cTn>
+                                        <p:tgtEl>
+                                          <p:spTgt spid="35"/>
+                                        </p:tgtEl>
+                                        <p:attrNameLst>
+                                          <p:attrName>style.visibility</p:attrName>
+                                        </p:attrNameLst>
+                                      </p:cBhvr>
+                                      <p:to>
+                                        <p:strVal val="visible"/>
+                                      </p:to>
+                                    </p:set>
+                                  </p:childTnLst>
+                                </p:cTn>
+                              </p:par>
+                              <p:par>
+                                <p:cTn id="29" presetID="1" presetClass="entr" presetSubtype="0" fill="hold" grpId="0" nodeType="withEffect">
+                                  <p:stCondLst>
+                                    <p:cond delay="0"/>
+                                  </p:stCondLst>
+                                  <p:childTnLst>
+                                    <p:set>
+                                      <p:cBhvr>
+                                        <p:cTn id="30" dur="1" fill="hold">
+                                          <p:stCondLst>
+                                            <p:cond delay="0"/>
+                                          </p:stCondLst>
+                                        </p:cTn>
+                                        <p:tgtEl>
+                                          <p:spTgt spid="36"/>
+                                        </p:tgtEl>
+                                        <p:attrNameLst>
+                                          <p:attrName>style.visibility</p:attrName>
+                                        </p:attrNameLst>
+                                      </p:cBhvr>
+                                      <p:to>
+                                        <p:strVal val="visible"/>
+                                      </p:to>
+                                    </p:set>
+                                  </p:childTnLst>
+                                </p:cTn>
+                              </p:par>
+                              <p:par>
+                                <p:cTn id="31" presetID="1" presetClass="entr" presetSubtype="0" fill="hold" nodeType="withEffect">
+                                  <p:stCondLst>
+                                    <p:cond delay="0"/>
+                                  </p:stCondLst>
+                                  <p:childTnLst>
+                                    <p:set>
+                                      <p:cBhvr>
+                                        <p:cTn id="32" dur="1" fill="hold">
+                                          <p:stCondLst>
+                                            <p:cond delay="0"/>
+                                          </p:stCondLst>
+                                        </p:cTn>
+                                        <p:tgtEl>
+                                          <p:spTgt spid="26"/>
+                                        </p:tgtEl>
+                                        <p:attrNameLst>
+                                          <p:attrName>style.visibility</p:attrName>
+                                        </p:attrNameLst>
+                                      </p:cBhvr>
+                                      <p:to>
+                                        <p:strVal val="visible"/>
+                                      </p:to>
+                                    </p:set>
+                                  </p:childTnLst>
+                                </p:cTn>
+                              </p:par>
+                              <p:par>
+                                <p:cTn id="33" presetID="1" presetClass="entr" presetSubtype="0" fill="hold" grpId="0" nodeType="withEffect">
+                                  <p:stCondLst>
+                                    <p:cond delay="0"/>
+                                  </p:stCondLst>
+                                  <p:childTnLst>
+                                    <p:set>
+                                      <p:cBhvr>
+                                        <p:cTn id="34" dur="1" fill="hold">
+                                          <p:stCondLst>
+                                            <p:cond delay="0"/>
+                                          </p:stCondLst>
+                                        </p:cTn>
+                                        <p:tgtEl>
+                                          <p:spTgt spid="40"/>
+                                        </p:tgtEl>
+                                        <p:attrNameLst>
+                                          <p:attrName>style.visibility</p:attrName>
+                                        </p:attrNameLst>
+                                      </p:cBhvr>
+                                      <p:to>
+                                        <p:strVal val="visible"/>
+                                      </p:to>
+                                    </p:set>
+                                  </p:childTnLst>
+                                </p:cTn>
+                              </p:par>
+                              <p:par>
+                                <p:cTn id="35" presetID="1" presetClass="entr" presetSubtype="0" fill="hold" grpId="0" nodeType="withEffect">
+                                  <p:stCondLst>
+                                    <p:cond delay="0"/>
+                                  </p:stCondLst>
+                                  <p:childTnLst>
+                                    <p:set>
+                                      <p:cBhvr>
+                                        <p:cTn id="36" dur="1" fill="hold">
+                                          <p:stCondLst>
+                                            <p:cond delay="0"/>
+                                          </p:stCondLst>
+                                        </p:cTn>
+                                        <p:tgtEl>
+                                          <p:spTgt spid="41"/>
+                                        </p:tgtEl>
+                                        <p:attrNameLst>
+                                          <p:attrName>style.visibility</p:attrName>
+                                        </p:attrNameLst>
+                                      </p:cBhvr>
+                                      <p:to>
+                                        <p:strVal val="visible"/>
+                                      </p:to>
+                                    </p:set>
+                                  </p:childTnLst>
+                                </p:cTn>
+                              </p:par>
+                              <p:par>
+                                <p:cTn id="37" presetID="1" presetClass="entr" presetSubtype="0" fill="hold" grpId="0" nodeType="withEffect">
+                                  <p:stCondLst>
+                                    <p:cond delay="0"/>
+                                  </p:stCondLst>
+                                  <p:childTnLst>
+                                    <p:set>
+                                      <p:cBhvr>
+                                        <p:cTn id="38" dur="1" fill="hold">
+                                          <p:stCondLst>
+                                            <p:cond delay="0"/>
+                                          </p:stCondLst>
+                                        </p:cTn>
+                                        <p:tgtEl>
+                                          <p:spTgt spid="42"/>
+                                        </p:tgtEl>
+                                        <p:attrNameLst>
+                                          <p:attrName>style.visibility</p:attrName>
+                                        </p:attrNameLst>
+                                      </p:cBhvr>
+                                      <p:to>
+                                        <p:strVal val="visible"/>
+                                      </p:to>
+                                    </p:set>
+                                  </p:childTnLst>
+                                </p:cTn>
+                              </p:par>
+                              <p:par>
+                                <p:cTn id="39" presetID="1" presetClass="entr" presetSubtype="0" fill="hold" nodeType="withEffect">
+                                  <p:stCondLst>
+                                    <p:cond delay="0"/>
+                                  </p:stCondLst>
+                                  <p:childTnLst>
+                                    <p:set>
+                                      <p:cBhvr>
+                                        <p:cTn id="40" dur="1" fill="hold">
+                                          <p:stCondLst>
+                                            <p:cond delay="0"/>
+                                          </p:stCondLst>
+                                        </p:cTn>
+                                        <p:tgtEl>
+                                          <p:spTgt spid="23"/>
+                                        </p:tgtEl>
+                                        <p:attrNameLst>
+                                          <p:attrName>style.visibility</p:attrName>
+                                        </p:attrNameLst>
+                                      </p:cBhvr>
+                                      <p:to>
+                                        <p:strVal val="visible"/>
+                                      </p:to>
+                                    </p:set>
+                                  </p:childTnLst>
+                                </p:cTn>
+                              </p:par>
+                            </p:childTnLst>
+                          </p:cTn>
+                        </p:par>
+                      </p:childTnLst>
+                    </p:cTn>
+                  </p:par>
+                  <p:par>
+                    <p:cTn id="41" fill="hold">
+                      <p:stCondLst>
+                        <p:cond delay="indefinite"/>
+                      </p:stCondLst>
+                      <p:childTnLst>
+                        <p:par>
+                          <p:cTn id="42" fill="hold">
+                            <p:stCondLst>
+                              <p:cond delay="0"/>
+                            </p:stCondLst>
+                            <p:childTnLst>
+                              <p:par>
+                                <p:cTn id="43" presetID="1" presetClass="entr" presetSubtype="0" fill="hold" grpId="0" nodeType="clickEffect">
+                                  <p:stCondLst>
+                                    <p:cond delay="0"/>
+                                  </p:stCondLst>
+                                  <p:childTnLst>
+                                    <p:set>
+                                      <p:cBhvr>
+                                        <p:cTn id="44" dur="1" fill="hold">
+                                          <p:stCondLst>
+                                            <p:cond delay="0"/>
+                                          </p:stCondLst>
+                                        </p:cTn>
+                                        <p:tgtEl>
+                                          <p:spTgt spid="45"/>
+                                        </p:tgtEl>
+                                        <p:attrNameLst>
+                                          <p:attrName>style.visibility</p:attrName>
+                                        </p:attrNameLst>
+                                      </p:cBhvr>
+                                      <p:to>
+                                        <p:strVal val="visible"/>
+                                      </p:to>
+                                    </p:set>
+                                  </p:childTnLst>
+                                </p:cTn>
+                              </p:par>
+                              <p:par>
+                                <p:cTn id="45" presetID="1" presetClass="entr" presetSubtype="0" fill="hold" grpId="0" nodeType="withEffect">
+                                  <p:stCondLst>
+                                    <p:cond delay="0"/>
+                                  </p:stCondLst>
+                                  <p:childTnLst>
+                                    <p:set>
+                                      <p:cBhvr>
+                                        <p:cTn id="46" dur="1" fill="hold">
+                                          <p:stCondLst>
+                                            <p:cond delay="0"/>
+                                          </p:stCondLst>
+                                        </p:cTn>
+                                        <p:tgtEl>
+                                          <p:spTgt spid="46"/>
+                                        </p:tgtEl>
+                                        <p:attrNameLst>
+                                          <p:attrName>style.visibility</p:attrName>
+                                        </p:attrNameLst>
+                                      </p:cBhvr>
+                                      <p:to>
+                                        <p:strVal val="visible"/>
+                                      </p:to>
+                                    </p:set>
+                                  </p:childTnLst>
+                                </p:cTn>
+                              </p:par>
+                              <p:par>
+                                <p:cTn id="47" presetID="1" presetClass="entr" presetSubtype="0" fill="hold" grpId="0" nodeType="withEffect">
+                                  <p:stCondLst>
+                                    <p:cond delay="0"/>
+                                  </p:stCondLst>
+                                  <p:childTnLst>
+                                    <p:set>
+                                      <p:cBhvr>
+                                        <p:cTn id="48" dur="1" fill="hold">
+                                          <p:stCondLst>
+                                            <p:cond delay="0"/>
+                                          </p:stCondLst>
+                                        </p:cTn>
+                                        <p:tgtEl>
+                                          <p:spTgt spid="47"/>
+                                        </p:tgtEl>
+                                        <p:attrNameLst>
+                                          <p:attrName>style.visibility</p:attrName>
+                                        </p:attrNameLst>
+                                      </p:cBhvr>
+                                      <p:to>
+                                        <p:strVal val="visible"/>
+                                      </p:to>
+                                    </p:set>
+                                  </p:childTnLst>
+                                </p:cTn>
+                              </p:par>
+                              <p:par>
+                                <p:cTn id="49" presetID="1" presetClass="entr" presetSubtype="0" fill="hold" grpId="0" nodeType="withEffect">
+                                  <p:stCondLst>
+                                    <p:cond delay="0"/>
+                                  </p:stCondLst>
+                                  <p:childTnLst>
+                                    <p:set>
+                                      <p:cBhvr>
+                                        <p:cTn id="50" dur="1" fill="hold">
+                                          <p:stCondLst>
+                                            <p:cond delay="0"/>
+                                          </p:stCondLst>
+                                        </p:cTn>
+                                        <p:tgtEl>
+                                          <p:spTgt spid="51"/>
+                                        </p:tgtEl>
+                                        <p:attrNameLst>
+                                          <p:attrName>style.visibility</p:attrName>
+                                        </p:attrNameLst>
+                                      </p:cBhvr>
+                                      <p:to>
+                                        <p:strVal val="visible"/>
+                                      </p:to>
+                                    </p:set>
+                                  </p:childTnLst>
+                                </p:cTn>
+                              </p:par>
+                              <p:par>
+                                <p:cTn id="51" presetID="1" presetClass="entr" presetSubtype="0" fill="hold" grpId="0" nodeType="withEffect">
+                                  <p:stCondLst>
+                                    <p:cond delay="0"/>
+                                  </p:stCondLst>
+                                  <p:childTnLst>
+                                    <p:set>
+                                      <p:cBhvr>
+                                        <p:cTn id="52" dur="1" fill="hold">
+                                          <p:stCondLst>
+                                            <p:cond delay="0"/>
+                                          </p:stCondLst>
+                                        </p:cTn>
+                                        <p:tgtEl>
+                                          <p:spTgt spid="52"/>
+                                        </p:tgtEl>
+                                        <p:attrNameLst>
+                                          <p:attrName>style.visibility</p:attrName>
+                                        </p:attrNameLst>
+                                      </p:cBhvr>
+                                      <p:to>
+                                        <p:strVal val="visible"/>
+                                      </p:to>
+                                    </p:set>
+                                  </p:childTnLst>
+                                </p:cTn>
+                              </p:par>
+                              <p:par>
+                                <p:cTn id="53" presetID="1" presetClass="entr" presetSubtype="0" fill="hold" grpId="0" nodeType="withEffect">
+                                  <p:stCondLst>
+                                    <p:cond delay="0"/>
+                                  </p:stCondLst>
+                                  <p:childTnLst>
+                                    <p:set>
+                                      <p:cBhvr>
+                                        <p:cTn id="54" dur="1" fill="hold">
+                                          <p:stCondLst>
+                                            <p:cond delay="0"/>
+                                          </p:stCondLst>
+                                        </p:cTn>
+                                        <p:tgtEl>
+                                          <p:spTgt spid="53"/>
+                                        </p:tgtEl>
+                                        <p:attrNameLst>
+                                          <p:attrName>style.visibility</p:attrName>
+                                        </p:attrNameLst>
+                                      </p:cBhvr>
+                                      <p:to>
+                                        <p:strVal val="visible"/>
+                                      </p:to>
+                                    </p:set>
+                                  </p:childTnLst>
+                                </p:cTn>
+                              </p:par>
+                              <p:par>
+                                <p:cTn id="55" presetID="1" presetClass="entr" presetSubtype="0" fill="hold" grpId="0" nodeType="withEffect">
+                                  <p:stCondLst>
+                                    <p:cond delay="0"/>
+                                  </p:stCondLst>
+                                  <p:childTnLst>
+                                    <p:set>
+                                      <p:cBhvr>
+                                        <p:cTn id="56" dur="1" fill="hold">
+                                          <p:stCondLst>
+                                            <p:cond delay="0"/>
+                                          </p:stCondLst>
+                                        </p:cTn>
+                                        <p:tgtEl>
+                                          <p:spTgt spid="54"/>
+                                        </p:tgtEl>
+                                        <p:attrNameLst>
+                                          <p:attrName>style.visibility</p:attrName>
+                                        </p:attrNameLst>
+                                      </p:cBhvr>
+                                      <p:to>
+                                        <p:strVal val="visible"/>
+                                      </p:to>
+                                    </p:set>
+                                  </p:childTnLst>
+                                </p:cTn>
+                              </p:par>
+                              <p:par>
+                                <p:cTn id="57" presetID="1" presetClass="entr" presetSubtype="0" fill="hold" grpId="0" nodeType="withEffect">
+                                  <p:stCondLst>
+                                    <p:cond delay="0"/>
+                                  </p:stCondLst>
+                                  <p:childTnLst>
+                                    <p:set>
+                                      <p:cBhvr>
+                                        <p:cTn id="58" dur="1" fill="hold">
+                                          <p:stCondLst>
+                                            <p:cond delay="0"/>
+                                          </p:stCondLst>
+                                        </p:cTn>
+                                        <p:tgtEl>
+                                          <p:spTgt spid="55"/>
+                                        </p:tgtEl>
+                                        <p:attrNameLst>
+                                          <p:attrName>style.visibility</p:attrName>
+                                        </p:attrNameLst>
+                                      </p:cBhvr>
+                                      <p:to>
+                                        <p:strVal val="visible"/>
+                                      </p:to>
+                                    </p:set>
+                                  </p:childTnLst>
+                                </p:cTn>
+                              </p:par>
+                              <p:par>
+                                <p:cTn id="59" presetID="1" presetClass="entr" presetSubtype="0" fill="hold" grpId="0" nodeType="withEffect">
+                                  <p:stCondLst>
+                                    <p:cond delay="0"/>
+                                  </p:stCondLst>
+                                  <p:childTnLst>
+                                    <p:set>
+                                      <p:cBhvr>
+                                        <p:cTn id="60" dur="1" fill="hold">
+                                          <p:stCondLst>
+                                            <p:cond delay="0"/>
+                                          </p:stCondLst>
+                                        </p:cTn>
+                                        <p:tgtEl>
+                                          <p:spTgt spid="56"/>
+                                        </p:tgtEl>
+                                        <p:attrNameLst>
+                                          <p:attrName>style.visibility</p:attrName>
+                                        </p:attrNameLst>
+                                      </p:cBhvr>
+                                      <p:to>
+                                        <p:strVal val="visible"/>
+                                      </p:to>
+                                    </p:set>
+                                  </p:childTnLst>
+                                </p:cTn>
+                              </p:par>
+                              <p:par>
+                                <p:cTn id="61" presetID="1" presetClass="entr" presetSubtype="0" fill="hold" nodeType="withEffect">
+                                  <p:stCondLst>
+                                    <p:cond delay="0"/>
+                                  </p:stCondLst>
+                                  <p:childTnLst>
+                                    <p:set>
+                                      <p:cBhvr>
+                                        <p:cTn id="62" dur="1" fill="hold">
+                                          <p:stCondLst>
+                                            <p:cond delay="0"/>
+                                          </p:stCondLst>
+                                        </p:cTn>
+                                        <p:tgtEl>
+                                          <p:spTgt spid="57"/>
+                                        </p:tgtEl>
+                                        <p:attrNameLst>
+                                          <p:attrName>style.visibility</p:attrName>
+                                        </p:attrNameLst>
+                                      </p:cBhvr>
+                                      <p:to>
+                                        <p:strVal val="visible"/>
+                                      </p:to>
+                                    </p:set>
+                                  </p:childTnLst>
+                                </p:cTn>
+                              </p:par>
+                              <p:par>
+                                <p:cTn id="63" presetID="1" presetClass="entr" presetSubtype="0" fill="hold" nodeType="withEffect">
+                                  <p:stCondLst>
+                                    <p:cond delay="0"/>
+                                  </p:stCondLst>
+                                  <p:childTnLst>
+                                    <p:set>
+                                      <p:cBhvr>
+                                        <p:cTn id="64" dur="1" fill="hold">
+                                          <p:stCondLst>
+                                            <p:cond delay="0"/>
+                                          </p:stCondLst>
+                                        </p:cTn>
+                                        <p:tgtEl>
+                                          <p:spTgt spid="60"/>
+                                        </p:tgtEl>
+                                        <p:attrNameLst>
+                                          <p:attrName>style.visibility</p:attrName>
+                                        </p:attrNameLst>
+                                      </p:cBhvr>
+                                      <p:to>
+                                        <p:strVal val="visible"/>
+                                      </p:to>
+                                    </p:set>
+                                  </p:childTnLst>
+                                </p:cTn>
+                              </p:par>
+                              <p:par>
+                                <p:cTn id="65" presetID="1" presetClass="entr" presetSubtype="0" fill="hold" nodeType="withEffect">
+                                  <p:stCondLst>
+                                    <p:cond delay="0"/>
+                                  </p:stCondLst>
+                                  <p:childTnLst>
+                                    <p:set>
+                                      <p:cBhvr>
+                                        <p:cTn id="66" dur="1" fill="hold">
+                                          <p:stCondLst>
+                                            <p:cond delay="0"/>
+                                          </p:stCondLst>
+                                        </p:cTn>
+                                        <p:tgtEl>
+                                          <p:spTgt spid="63"/>
+                                        </p:tgtEl>
+                                        <p:attrNameLst>
+                                          <p:attrName>style.visibility</p:attrName>
+                                        </p:attrNameLst>
+                                      </p:cBhvr>
+                                      <p:to>
+                                        <p:strVal val="visible"/>
+                                      </p:to>
+                                    </p:set>
+                                  </p:childTnLst>
+                                </p:cTn>
+                              </p:par>
+                            </p:childTnLst>
+                          </p:cTn>
+                        </p:par>
+                      </p:childTnLst>
+                    </p:cTn>
+                  </p:par>
+                  <p:par>
+                    <p:cTn id="67" fill="hold">
+                      <p:stCondLst>
+                        <p:cond delay="indefinite"/>
+                      </p:stCondLst>
+                      <p:childTnLst>
+                        <p:par>
+                          <p:cTn id="68" fill="hold">
+                            <p:stCondLst>
+                              <p:cond delay="0"/>
+                            </p:stCondLst>
+                            <p:childTnLst>
+                              <p:par>
+                                <p:cTn id="69" presetID="1" presetClass="entr" presetSubtype="0" fill="hold" grpId="0" nodeType="clickEffect">
+                                  <p:stCondLst>
+                                    <p:cond delay="0"/>
+                                  </p:stCondLst>
+                                  <p:childTnLst>
+                                    <p:set>
+                                      <p:cBhvr>
+                                        <p:cTn id="70" dur="1" fill="hold">
+                                          <p:stCondLst>
+                                            <p:cond delay="0"/>
+                                          </p:stCondLst>
+                                        </p:cTn>
+                                        <p:tgtEl>
+                                          <p:spTgt spid="66"/>
+                                        </p:tgtEl>
+                                        <p:attrNameLst>
+                                          <p:attrName>style.visibility</p:attrName>
+                                        </p:attrNameLst>
+                                      </p:cBhvr>
+                                      <p:to>
+                                        <p:strVal val="visible"/>
+                                      </p:to>
+                                    </p:set>
+                                  </p:childTnLst>
+                                </p:cTn>
+                              </p:par>
+                              <p:par>
+                                <p:cTn id="71" presetID="1" presetClass="entr" presetSubtype="0" fill="hold" nodeType="withEffect">
+                                  <p:stCondLst>
+                                    <p:cond delay="0"/>
+                                  </p:stCondLst>
+                                  <p:childTnLst>
+                                    <p:set>
+                                      <p:cBhvr>
+                                        <p:cTn id="72" dur="1" fill="hold">
+                                          <p:stCondLst>
+                                            <p:cond delay="0"/>
+                                          </p:stCondLst>
+                                        </p:cTn>
+                                        <p:tgtEl>
+                                          <p:spTgt spid="67"/>
+                                        </p:tgtEl>
+                                        <p:attrNameLst>
+                                          <p:attrName>style.visibility</p:attrName>
+                                        </p:attrNameLst>
+                                      </p:cBhvr>
+                                      <p:to>
+                                        <p:strVal val="visible"/>
+                                      </p:to>
+                                    </p:set>
+                                  </p:childTnLst>
+                                </p:cTn>
+                              </p:par>
+                              <p:par>
+                                <p:cTn id="73" presetID="1" presetClass="entr" presetSubtype="0" fill="hold" nodeType="withEffect">
+                                  <p:stCondLst>
+                                    <p:cond delay="0"/>
+                                  </p:stCondLst>
+                                  <p:childTnLst>
+                                    <p:set>
+                                      <p:cBhvr>
+                                        <p:cTn id="74" dur="1" fill="hold">
+                                          <p:stCondLst>
+                                            <p:cond delay="0"/>
+                                          </p:stCondLst>
+                                        </p:cTn>
+                                        <p:tgtEl>
+                                          <p:spTgt spid="70"/>
+                                        </p:tgtEl>
+                                        <p:attrNameLst>
+                                          <p:attrName>style.visibility</p:attrName>
+                                        </p:attrNameLst>
+                                      </p:cBhvr>
+                                      <p:to>
+                                        <p:strVal val="visible"/>
+                                      </p:to>
+                                    </p:set>
+                                  </p:childTnLst>
+                                </p:cTn>
+                              </p:par>
+                              <p:par>
+                                <p:cTn id="75" presetID="1" presetClass="entr" presetSubtype="0" fill="hold" nodeType="withEffect">
+                                  <p:stCondLst>
+                                    <p:cond delay="0"/>
+                                  </p:stCondLst>
+                                  <p:childTnLst>
+                                    <p:set>
+                                      <p:cBhvr>
+                                        <p:cTn id="76" dur="1" fill="hold">
+                                          <p:stCondLst>
+                                            <p:cond delay="0"/>
+                                          </p:stCondLst>
+                                        </p:cTn>
+                                        <p:tgtEl>
+                                          <p:spTgt spid="73"/>
+                                        </p:tgtEl>
+                                        <p:attrNameLst>
+                                          <p:attrName>style.visibility</p:attrName>
+                                        </p:attrNameLst>
+                                      </p:cBhvr>
+                                      <p:to>
+                                        <p:strVal val="visible"/>
+                                      </p:to>
+                                    </p:set>
+                                  </p:childTnLst>
+                                </p:cTn>
+                              </p:par>
+                            </p:childTnLst>
+                          </p:cTn>
+                        </p:par>
+                      </p:childTnLst>
+                    </p:cTn>
+                  </p:par>
+                </p:childTnLst>
+              </p:cTn>
+              <p:prevCondLst>
+                <p:cond evt="onPrev" delay="0">
+                  <p:tgtEl>
+                    <p:sldTgt/>
+                  </p:tgtEl>
+                </p:cond>
+              </p:prevCondLst>
+              <p:nextCondLst>
+                <p:cond evt="onNext" delay="0">
+                  <p:tgtEl>
+                    <p:sldTgt/>
+                  </p:tgtEl>
+                </p:cond>
+              </p:nextCondLst>
+            </p:seq>
+          </p:childTnLst>
+        </p:cTn>
+      </p:par>
+    </p:tnLst>
+    <p:bldLst>
+      <p:bldP spid="5" grpId="0" animBg="1"/>
+      <p:bldP spid="7" grpId="0" animBg="1"/>
+      <p:bldP spid="8" grpId="0" animBg="1"/>
+      <p:bldP spid="29" grpId="0"/>
+      <p:bldP spid="30" grpId="0" animBg="1"/>
+      <p:bldP spid="31" grpId="0" animBg="1"/>
+      <p:bldP spid="32" grpId="0" animBg="1"/>
+      <p:bldP spid="34" grpId="0" animBg="1"/>
+      <p:bldP spid="35" grpId="0" animBg="1"/>
+      <p:bldP spid="36" grpId="0" animBg="1"/>
+      <p:bldP spid="40" grpId="0" animBg="1"/>
+      <p:bldP spid="41" grpId="0" animBg="1"/>
+      <p:bldP spid="42" grpId="0" animBg="1"/>
+      <p:bldP spid="45" grpId="0" animBg="1"/>
+      <p:bldP spid="46" grpId="0" animBg="1"/>
+      <p:bldP spid="47" grpId="0" animBg="1"/>
+      <p:bldP spid="51" grpId="0" animBg="1"/>
+      <p:bldP spid="52" grpId="0" animBg="1"/>
+      <p:bldP spid="53" grpId="0" animBg="1"/>
+      <p:bldP spid="54" grpId="0" animBg="1"/>
+      <p:bldP spid="55" grpId="0" animBg="1"/>
+      <p:bldP spid="56" grpId="0" animBg="1"/>
+      <p:bldP spid="66" grpId="0" animBg="1"/>
+    </p:bldLst>
+  </p:timing>
 </p:sld>
 </file>
 
@@ -4991,6 +6024,13 @@
   <p:clrMapOvr>
     <a:masterClrMapping/>
   </p:clrMapOvr>
+  <p:timing>
+    <p:tnLst>
+      <p:par>
+        <p:cTn xmlns:p14="http://schemas.microsoft.com/office/powerpoint/2010/main" id="1" dur="indefinite" restart="never" nodeType="tmRoot"/>
+      </p:par>
+    </p:tnLst>
+  </p:timing>
 </p:sld>
 </file>
 
@@ -5198,6 +6238,13 @@
   <p:clrMapOvr>
     <a:masterClrMapping/>
   </p:clrMapOvr>
+  <p:timing>
+    <p:tnLst>
+      <p:par>
+        <p:cTn xmlns:p14="http://schemas.microsoft.com/office/powerpoint/2010/main" id="1" dur="indefinite" restart="never" nodeType="tmRoot"/>
+      </p:par>
+    </p:tnLst>
+  </p:timing>
 </p:sld>
 </file>
 
